--- a/Poc_Titanic/Binary_Decision_ML.pptx
+++ b/Poc_Titanic/Binary_Decision_ML.pptx
@@ -305,7 +305,7 @@
             <a:fld id="{1D8BD707-D9CF-40AE-B4C6-C98DA3205C09}" type="datetimeFigureOut">
               <a:rPr lang="en-US" smtClean="0"/>
               <a:pPr/>
-              <a:t>9/10/2018</a:t>
+              <a:t>9/11/2018</a:t>
             </a:fld>
             <a:endParaRPr lang="en-US"/>
           </a:p>
@@ -472,7 +472,7 @@
             <a:fld id="{1D8BD707-D9CF-40AE-B4C6-C98DA3205C09}" type="datetimeFigureOut">
               <a:rPr lang="en-US" smtClean="0"/>
               <a:pPr/>
-              <a:t>9/10/2018</a:t>
+              <a:t>9/11/2018</a:t>
             </a:fld>
             <a:endParaRPr lang="en-US"/>
           </a:p>
@@ -649,7 +649,7 @@
             <a:fld id="{1D8BD707-D9CF-40AE-B4C6-C98DA3205C09}" type="datetimeFigureOut">
               <a:rPr lang="en-US" smtClean="0"/>
               <a:pPr/>
-              <a:t>9/10/2018</a:t>
+              <a:t>9/11/2018</a:t>
             </a:fld>
             <a:endParaRPr lang="en-US"/>
           </a:p>
@@ -816,7 +816,7 @@
             <a:fld id="{1D8BD707-D9CF-40AE-B4C6-C98DA3205C09}" type="datetimeFigureOut">
               <a:rPr lang="en-US" smtClean="0"/>
               <a:pPr/>
-              <a:t>9/10/2018</a:t>
+              <a:t>9/11/2018</a:t>
             </a:fld>
             <a:endParaRPr lang="en-US"/>
           </a:p>
@@ -1059,7 +1059,7 @@
             <a:fld id="{1D8BD707-D9CF-40AE-B4C6-C98DA3205C09}" type="datetimeFigureOut">
               <a:rPr lang="en-US" smtClean="0"/>
               <a:pPr/>
-              <a:t>9/10/2018</a:t>
+              <a:t>9/11/2018</a:t>
             </a:fld>
             <a:endParaRPr lang="en-US"/>
           </a:p>
@@ -1344,7 +1344,7 @@
             <a:fld id="{1D8BD707-D9CF-40AE-B4C6-C98DA3205C09}" type="datetimeFigureOut">
               <a:rPr lang="en-US" smtClean="0"/>
               <a:pPr/>
-              <a:t>9/10/2018</a:t>
+              <a:t>9/11/2018</a:t>
             </a:fld>
             <a:endParaRPr lang="en-US"/>
           </a:p>
@@ -1763,7 +1763,7 @@
             <a:fld id="{1D8BD707-D9CF-40AE-B4C6-C98DA3205C09}" type="datetimeFigureOut">
               <a:rPr lang="en-US" smtClean="0"/>
               <a:pPr/>
-              <a:t>9/10/2018</a:t>
+              <a:t>9/11/2018</a:t>
             </a:fld>
             <a:endParaRPr lang="en-US"/>
           </a:p>
@@ -1878,7 +1878,7 @@
             <a:fld id="{1D8BD707-D9CF-40AE-B4C6-C98DA3205C09}" type="datetimeFigureOut">
               <a:rPr lang="en-US" smtClean="0"/>
               <a:pPr/>
-              <a:t>9/10/2018</a:t>
+              <a:t>9/11/2018</a:t>
             </a:fld>
             <a:endParaRPr lang="en-US"/>
           </a:p>
@@ -1970,7 +1970,7 @@
             <a:fld id="{1D8BD707-D9CF-40AE-B4C6-C98DA3205C09}" type="datetimeFigureOut">
               <a:rPr lang="en-US" smtClean="0"/>
               <a:pPr/>
-              <a:t>9/10/2018</a:t>
+              <a:t>9/11/2018</a:t>
             </a:fld>
             <a:endParaRPr lang="en-US"/>
           </a:p>
@@ -2244,7 +2244,7 @@
             <a:fld id="{1D8BD707-D9CF-40AE-B4C6-C98DA3205C09}" type="datetimeFigureOut">
               <a:rPr lang="en-US" smtClean="0"/>
               <a:pPr/>
-              <a:t>9/10/2018</a:t>
+              <a:t>9/11/2018</a:t>
             </a:fld>
             <a:endParaRPr lang="en-US"/>
           </a:p>
@@ -2494,7 +2494,7 @@
             <a:fld id="{1D8BD707-D9CF-40AE-B4C6-C98DA3205C09}" type="datetimeFigureOut">
               <a:rPr lang="en-US" smtClean="0"/>
               <a:pPr/>
-              <a:t>9/10/2018</a:t>
+              <a:t>9/11/2018</a:t>
             </a:fld>
             <a:endParaRPr lang="en-US"/>
           </a:p>
@@ -2704,7 +2704,7 @@
             <a:fld id="{1D8BD707-D9CF-40AE-B4C6-C98DA3205C09}" type="datetimeFigureOut">
               <a:rPr lang="en-US" smtClean="0"/>
               <a:pPr/>
-              <a:t>9/10/2018</a:t>
+              <a:t>9/11/2018</a:t>
             </a:fld>
             <a:endParaRPr lang="en-US"/>
           </a:p>
@@ -5190,6 +5190,63 @@
             </a:r>
           </a:p>
           <a:p>
+            <a:pPr marL="514350" indent="-514350">
+              <a:spcBef>
+                <a:spcPct val="20000"/>
+              </a:spcBef>
+              <a:buFont typeface="+mj-lt"/>
+              <a:buAutoNum type="arabicPeriod"/>
+              <a:defRPr/>
+            </a:pPr>
+            <a:r>
+              <a:rPr lang="en-US" sz="3200" dirty="0" smtClean="0">
+                <a:solidFill>
+                  <a:schemeClr val="tx1">
+                    <a:tint val="75000"/>
+                  </a:schemeClr>
+                </a:solidFill>
+              </a:rPr>
+              <a:t>Location Python Code</a:t>
+            </a:r>
+            <a:br>
+              <a:rPr lang="en-US" sz="3200" dirty="0" smtClean="0">
+                <a:solidFill>
+                  <a:schemeClr val="tx1">
+                    <a:tint val="75000"/>
+                  </a:schemeClr>
+                </a:solidFill>
+              </a:rPr>
+            </a:br>
+            <a:r>
+              <a:rPr lang="en-US" sz="3200" dirty="0" smtClean="0">
+                <a:solidFill>
+                  <a:schemeClr val="tx1">
+                    <a:tint val="75000"/>
+                  </a:schemeClr>
+                </a:solidFill>
+              </a:rPr>
+              <a:t> </a:t>
+            </a:r>
+            <a:r>
+              <a:rPr lang="en-US" sz="3200" dirty="0" smtClean="0">
+                <a:solidFill>
+                  <a:schemeClr val="tx1">
+                    <a:tint val="75000"/>
+                  </a:schemeClr>
+                </a:solidFill>
+                <a:hlinkClick r:id="rId2"/>
+              </a:rPr>
+              <a:t>https://github.com/AvinashTiwari/Artifical-intelligence/tree/master/Poc_Titanic</a:t>
+            </a:r>
+            <a:endParaRPr lang="en-US" sz="3200" dirty="0" smtClean="0">
+              <a:solidFill>
+                <a:schemeClr val="tx1">
+                  <a:tint val="75000"/>
+                </a:schemeClr>
+              </a:solidFill>
+            </a:endParaRPr>
+          </a:p>
+          <a:p>
             <a:pPr marL="514350" marR="0" lvl="0" indent="-514350" algn="l" defTabSz="914400" rtl="0" eaLnBrk="1" fontAlgn="auto" latinLnBrk="0" hangingPunct="1">
               <a:lnSpc>
                 <a:spcPct val="100000"/>
@@ -5202,7 +5259,63 @@
               </a:spcAft>
               <a:buClrTx/>
               <a:buSzTx/>
+              <a:buFont typeface="+mj-lt"/>
+              <a:buAutoNum type="arabicPeriod"/>
               <a:tabLst/>
+              <a:defRPr/>
+            </a:pPr>
+            <a:endParaRPr lang="en-US" sz="3200" dirty="0" smtClean="0">
+              <a:solidFill>
+                <a:schemeClr val="tx1">
+                  <a:tint val="75000"/>
+                </a:schemeClr>
+              </a:solidFill>
+            </a:endParaRPr>
+          </a:p>
+          <a:p>
+            <a:pPr marL="514350" indent="-514350">
+              <a:spcBef>
+                <a:spcPct val="20000"/>
+              </a:spcBef>
+              <a:buFont typeface="+mj-lt"/>
+              <a:buAutoNum type="arabicPeriod"/>
+              <a:defRPr/>
+            </a:pPr>
+            <a:r>
+              <a:rPr lang="en-US" sz="3200" dirty="0" smtClean="0">
+                <a:solidFill>
+                  <a:schemeClr val="tx1">
+                    <a:tint val="75000"/>
+                  </a:schemeClr>
+                </a:solidFill>
+              </a:rPr>
+              <a:t> Location for Android code</a:t>
+            </a:r>
+            <a:br>
+              <a:rPr lang="en-US" sz="3200" dirty="0" smtClean="0">
+                <a:solidFill>
+                  <a:schemeClr val="tx1">
+                    <a:tint val="75000"/>
+                  </a:schemeClr>
+                </a:solidFill>
+              </a:rPr>
+            </a:br>
+            <a:r>
+              <a:rPr lang="en-US" sz="3200" dirty="0" smtClean="0">
+                <a:solidFill>
+                  <a:schemeClr val="tx1">
+                    <a:tint val="75000"/>
+                  </a:schemeClr>
+                </a:solidFill>
+              </a:rPr>
+              <a:t> https://github.com/AvinashTiwari/Artifical-intelligence/tree/master/Poc_Titanic/TitanicSurvieraap</a:t>
+            </a:r>
+          </a:p>
+          <a:p>
+            <a:pPr marL="514350" indent="-514350">
+              <a:spcBef>
+                <a:spcPct val="20000"/>
+              </a:spcBef>
               <a:defRPr/>
             </a:pPr>
             <a:endParaRPr lang="en-US" sz="3200" dirty="0" smtClean="0">
@@ -5307,76 +5420,459 @@
       </p:sp>
       <p:sp>
         <p:nvSpPr>
-          <p:cNvPr id="3" name="Subtitle 2"/>
-          <p:cNvSpPr>
-            <a:spLocks noGrp="1"/>
-          </p:cNvSpPr>
-          <p:nvPr>
-            <p:ph type="subTitle" idx="1"/>
-          </p:nvPr>
+          <p:cNvPr id="4" name="Subtitle 2"/>
+          <p:cNvSpPr txBox="1">
+            <a:spLocks/>
+          </p:cNvSpPr>
+          <p:nvPr/>
         </p:nvSpPr>
         <p:spPr>
           <a:xfrm>
-            <a:off x="228600" y="990600"/>
-            <a:ext cx="8458200" cy="4876800"/>
+            <a:off x="0" y="990600"/>
+            <a:ext cx="9144000" cy="5638800"/>
           </a:xfrm>
+          <a:prstGeom prst="rect">
+            <a:avLst/>
+          </a:prstGeom>
         </p:spPr>
         <p:txBody>
-          <a:bodyPr/>
-          <a:lstStyle/>
-          <a:p>
-            <a:r>
-              <a:rPr lang="en-US" dirty="0" smtClean="0"/>
-              <a:t>What we are going to?</a:t>
-            </a:r>
-          </a:p>
-          <a:p>
-            <a:pPr marL="514350" indent="-514350" algn="l">
+          <a:bodyPr vert="horz" lIns="91440" tIns="45720" rIns="91440" bIns="45720" rtlCol="0">
+            <a:normAutofit/>
+          </a:bodyPr>
+          <a:lstStyle/>
+          <a:p>
+            <a:pPr marL="514350" marR="0" lvl="0" indent="-514350" algn="l" defTabSz="914400" rtl="0" eaLnBrk="1" fontAlgn="auto" latinLnBrk="0" hangingPunct="1">
+              <a:lnSpc>
+                <a:spcPct val="100000"/>
+              </a:lnSpc>
+              <a:spcBef>
+                <a:spcPct val="20000"/>
+              </a:spcBef>
+              <a:spcAft>
+                <a:spcPts val="0"/>
+              </a:spcAft>
+              <a:buClrTx/>
+              <a:buSzTx/>
+              <a:buFont typeface="+mj-lt"/>
+              <a:buAutoNum type="arabicPeriod"/>
+              <a:tabLst/>
+              <a:defRPr/>
+            </a:pPr>
+            <a:r>
+              <a:rPr lang="en-US" sz="3200" dirty="0" smtClean="0">
+                <a:solidFill>
+                  <a:schemeClr val="tx1">
+                    <a:tint val="75000"/>
+                  </a:schemeClr>
+                </a:solidFill>
+              </a:rPr>
+              <a:t>Technology Stack</a:t>
+            </a:r>
+            <a:endParaRPr kumimoji="0" lang="en-US" sz="3200" b="0" i="0" u="none" strike="noStrike" kern="1200" cap="none" spc="0" normalizeH="0" baseline="0" noProof="0" dirty="0" smtClean="0">
+              <a:ln>
+                <a:noFill/>
+              </a:ln>
+              <a:solidFill>
+                <a:schemeClr val="tx1">
+                  <a:tint val="75000"/>
+                </a:schemeClr>
+              </a:solidFill>
+              <a:effectLst/>
+              <a:uLnTx/>
+              <a:uFillTx/>
+              <a:latin typeface="+mn-lt"/>
+              <a:ea typeface="+mn-ea"/>
+              <a:cs typeface="+mn-cs"/>
+            </a:endParaRPr>
+          </a:p>
+          <a:p>
+            <a:pPr marL="514350" marR="0" lvl="0" indent="-514350" algn="l" defTabSz="914400" rtl="0" eaLnBrk="1" fontAlgn="auto" latinLnBrk="0" hangingPunct="1">
+              <a:lnSpc>
+                <a:spcPct val="100000"/>
+              </a:lnSpc>
+              <a:spcBef>
+                <a:spcPct val="20000"/>
+              </a:spcBef>
+              <a:spcAft>
+                <a:spcPts val="0"/>
+              </a:spcAft>
+              <a:buClrTx/>
+              <a:buSzTx/>
+              <a:buFont typeface="+mj-lt"/>
+              <a:buAutoNum type="arabicPeriod"/>
+              <a:tabLst/>
+              <a:defRPr/>
+            </a:pPr>
+            <a:r>
+              <a:rPr lang="en-US" sz="3200" dirty="0" smtClean="0">
+                <a:solidFill>
+                  <a:schemeClr val="tx1">
+                    <a:tint val="75000"/>
+                  </a:schemeClr>
+                </a:solidFill>
+              </a:rPr>
+              <a:t>Implementation in Python</a:t>
+            </a:r>
+            <a:endParaRPr kumimoji="0" lang="en-US" sz="3200" b="0" i="0" u="none" strike="noStrike" kern="1200" cap="none" spc="0" normalizeH="0" baseline="0" noProof="0" dirty="0" smtClean="0">
+              <a:ln>
+                <a:noFill/>
+              </a:ln>
+              <a:solidFill>
+                <a:schemeClr val="tx1">
+                  <a:tint val="75000"/>
+                </a:schemeClr>
+              </a:solidFill>
+              <a:effectLst/>
+              <a:uLnTx/>
+              <a:uFillTx/>
+              <a:latin typeface="+mn-lt"/>
+              <a:ea typeface="+mn-ea"/>
+              <a:cs typeface="+mn-cs"/>
+            </a:endParaRPr>
+          </a:p>
+          <a:p>
+            <a:pPr marL="514350" marR="0" lvl="0" indent="-514350" algn="l" defTabSz="914400" rtl="0" eaLnBrk="1" fontAlgn="auto" latinLnBrk="0" hangingPunct="1">
+              <a:lnSpc>
+                <a:spcPct val="100000"/>
+              </a:lnSpc>
+              <a:spcBef>
+                <a:spcPct val="20000"/>
+              </a:spcBef>
+              <a:spcAft>
+                <a:spcPts val="0"/>
+              </a:spcAft>
+              <a:buClrTx/>
+              <a:buSzTx/>
+              <a:buFont typeface="+mj-lt"/>
+              <a:buAutoNum type="arabicPeriod"/>
+              <a:tabLst/>
+              <a:defRPr/>
+            </a:pPr>
+            <a:r>
+              <a:rPr kumimoji="0" lang="en-US" sz="3200" b="0" i="0" u="none" strike="noStrike" kern="1200" cap="none" spc="0" normalizeH="0" baseline="0" noProof="0" dirty="0" smtClean="0">
+                <a:ln>
+                  <a:noFill/>
+                </a:ln>
+                <a:solidFill>
+                  <a:schemeClr val="tx1">
+                    <a:tint val="75000"/>
+                  </a:schemeClr>
+                </a:solidFill>
+                <a:effectLst/>
+                <a:uLnTx/>
+                <a:uFillTx/>
+                <a:latin typeface="+mn-lt"/>
+                <a:ea typeface="+mn-ea"/>
+                <a:cs typeface="+mn-cs"/>
+              </a:rPr>
+              <a:t>Implementation</a:t>
+            </a:r>
+            <a:r>
+              <a:rPr kumimoji="0" lang="en-US" sz="3200" b="0" i="0" u="none" strike="noStrike" kern="1200" cap="none" spc="0" normalizeH="0" noProof="0" dirty="0" smtClean="0">
+                <a:ln>
+                  <a:noFill/>
+                </a:ln>
+                <a:solidFill>
+                  <a:schemeClr val="tx1">
+                    <a:tint val="75000"/>
+                  </a:schemeClr>
+                </a:solidFill>
+                <a:effectLst/>
+                <a:uLnTx/>
+                <a:uFillTx/>
+                <a:latin typeface="+mn-lt"/>
+                <a:ea typeface="+mn-ea"/>
+                <a:cs typeface="+mn-cs"/>
+              </a:rPr>
+              <a:t> in Android</a:t>
+            </a:r>
+            <a:endParaRPr kumimoji="0" lang="en-US" sz="3200" b="0" i="0" u="none" strike="noStrike" kern="1200" cap="none" spc="0" normalizeH="0" baseline="0" noProof="0" dirty="0" smtClean="0">
+              <a:ln>
+                <a:noFill/>
+              </a:ln>
+              <a:solidFill>
+                <a:schemeClr val="tx1">
+                  <a:tint val="75000"/>
+                </a:schemeClr>
+              </a:solidFill>
+              <a:effectLst/>
+              <a:uLnTx/>
+              <a:uFillTx/>
+              <a:latin typeface="+mn-lt"/>
+              <a:ea typeface="+mn-ea"/>
+              <a:cs typeface="+mn-cs"/>
+            </a:endParaRPr>
+          </a:p>
+          <a:p>
+            <a:pPr marL="514350" marR="0" lvl="0" indent="-514350" algn="l" defTabSz="914400" rtl="0" eaLnBrk="1" fontAlgn="auto" latinLnBrk="0" hangingPunct="1">
+              <a:lnSpc>
+                <a:spcPct val="100000"/>
+              </a:lnSpc>
+              <a:spcBef>
+                <a:spcPct val="20000"/>
+              </a:spcBef>
+              <a:spcAft>
+                <a:spcPts val="0"/>
+              </a:spcAft>
+              <a:buClrTx/>
+              <a:buSzTx/>
+              <a:buFont typeface="+mj-lt"/>
+              <a:buAutoNum type="arabicPeriod"/>
+              <a:tabLst/>
+              <a:defRPr/>
+            </a:pPr>
+            <a:r>
+              <a:rPr lang="en-US" sz="3200" dirty="0" smtClean="0">
+                <a:solidFill>
+                  <a:schemeClr val="tx1">
+                    <a:tint val="75000"/>
+                  </a:schemeClr>
+                </a:solidFill>
+              </a:rPr>
+              <a:t>How Self learning is done </a:t>
+            </a:r>
+            <a:endParaRPr kumimoji="0" lang="en-US" sz="3200" b="0" i="0" u="none" strike="noStrike" kern="1200" cap="none" spc="0" normalizeH="0" baseline="0" noProof="0" dirty="0" smtClean="0">
+              <a:ln>
+                <a:noFill/>
+              </a:ln>
+              <a:solidFill>
+                <a:schemeClr val="tx1">
+                  <a:tint val="75000"/>
+                </a:schemeClr>
+              </a:solidFill>
+              <a:effectLst/>
+              <a:uLnTx/>
+              <a:uFillTx/>
+              <a:latin typeface="+mn-lt"/>
+              <a:ea typeface="+mn-ea"/>
+              <a:cs typeface="+mn-cs"/>
+            </a:endParaRPr>
+          </a:p>
+          <a:p>
+            <a:pPr marL="514350" marR="0" lvl="0" indent="-514350" algn="l" defTabSz="914400" rtl="0" eaLnBrk="1" fontAlgn="auto" latinLnBrk="0" hangingPunct="1">
+              <a:lnSpc>
+                <a:spcPct val="100000"/>
+              </a:lnSpc>
+              <a:spcBef>
+                <a:spcPct val="20000"/>
+              </a:spcBef>
+              <a:spcAft>
+                <a:spcPts val="0"/>
+              </a:spcAft>
+              <a:buClrTx/>
+              <a:buSzTx/>
+              <a:buFont typeface="+mj-lt"/>
+              <a:buAutoNum type="arabicPeriod"/>
+              <a:tabLst/>
+              <a:defRPr/>
+            </a:pPr>
+            <a:r>
+              <a:rPr lang="en-US" sz="3200" dirty="0" smtClean="0">
+                <a:solidFill>
+                  <a:schemeClr val="tx1">
+                    <a:tint val="75000"/>
+                  </a:schemeClr>
+                </a:solidFill>
+              </a:rPr>
+              <a:t>How It can be used to achieve goal for offer prediction and creation</a:t>
+            </a:r>
+          </a:p>
+          <a:p>
+            <a:pPr marL="514350" marR="0" lvl="0" indent="-514350" algn="l" defTabSz="914400" rtl="0" eaLnBrk="1" fontAlgn="auto" latinLnBrk="0" hangingPunct="1">
+              <a:lnSpc>
+                <a:spcPct val="100000"/>
+              </a:lnSpc>
+              <a:spcBef>
+                <a:spcPct val="20000"/>
+              </a:spcBef>
+              <a:spcAft>
+                <a:spcPts val="0"/>
+              </a:spcAft>
+              <a:buClrTx/>
+              <a:buSzTx/>
+              <a:buFont typeface="+mj-lt"/>
+              <a:buAutoNum type="arabicPeriod"/>
+              <a:tabLst/>
+              <a:defRPr/>
+            </a:pPr>
+            <a:r>
+              <a:rPr kumimoji="0" lang="en-US" sz="3200" b="0" i="0" u="none" strike="noStrike" kern="1200" cap="none" spc="0" normalizeH="0" baseline="0" noProof="0" dirty="0" smtClean="0">
+                <a:ln>
+                  <a:noFill/>
+                </a:ln>
+                <a:solidFill>
+                  <a:schemeClr val="tx1">
+                    <a:tint val="75000"/>
+                  </a:schemeClr>
+                </a:solidFill>
+                <a:effectLst/>
+                <a:uLnTx/>
+                <a:uFillTx/>
+                <a:latin typeface="+mn-lt"/>
+                <a:ea typeface="+mn-ea"/>
+                <a:cs typeface="+mn-cs"/>
+              </a:rPr>
+              <a:t>Any Question</a:t>
+            </a:r>
+            <a:r>
+              <a:rPr kumimoji="0" lang="en-US" sz="3200" b="0" i="0" u="none" strike="noStrike" kern="1200" cap="none" spc="0" normalizeH="0" noProof="0" dirty="0" smtClean="0">
+                <a:ln>
+                  <a:noFill/>
+                </a:ln>
+                <a:solidFill>
+                  <a:schemeClr val="tx1">
+                    <a:tint val="75000"/>
+                  </a:schemeClr>
+                </a:solidFill>
+                <a:effectLst/>
+                <a:uLnTx/>
+                <a:uFillTx/>
+                <a:latin typeface="+mn-lt"/>
+                <a:ea typeface="+mn-ea"/>
+                <a:cs typeface="+mn-cs"/>
+              </a:rPr>
+              <a:t> on </a:t>
+            </a:r>
+            <a:r>
+              <a:rPr kumimoji="0" lang="en-US" sz="3200" b="0" i="0" u="none" strike="noStrike" kern="1200" cap="none" spc="0" normalizeH="0" noProof="0" smtClean="0">
+                <a:ln>
+                  <a:noFill/>
+                </a:ln>
+                <a:solidFill>
+                  <a:schemeClr val="tx1">
+                    <a:tint val="75000"/>
+                  </a:schemeClr>
+                </a:solidFill>
+                <a:effectLst/>
+                <a:uLnTx/>
+                <a:uFillTx/>
+                <a:latin typeface="+mn-lt"/>
+                <a:ea typeface="+mn-ea"/>
+                <a:cs typeface="+mn-cs"/>
+              </a:rPr>
+              <a:t>Poc</a:t>
+            </a:r>
+            <a:endParaRPr kumimoji="0" lang="en-US" sz="3200" b="0" i="0" u="none" strike="noStrike" kern="1200" cap="none" spc="0" normalizeH="0" baseline="0" noProof="0" dirty="0" smtClean="0">
+              <a:ln>
+                <a:noFill/>
+              </a:ln>
+              <a:solidFill>
+                <a:schemeClr val="tx1">
+                  <a:tint val="75000"/>
+                </a:schemeClr>
+              </a:solidFill>
+              <a:effectLst/>
+              <a:uLnTx/>
+              <a:uFillTx/>
+              <a:latin typeface="+mn-lt"/>
+              <a:ea typeface="+mn-ea"/>
+              <a:cs typeface="+mn-cs"/>
+            </a:endParaRPr>
+          </a:p>
+          <a:p>
+            <a:pPr marL="0" marR="0" lvl="0" indent="0" algn="l" defTabSz="914400" rtl="0" eaLnBrk="1" fontAlgn="auto" latinLnBrk="0" hangingPunct="1">
+              <a:lnSpc>
+                <a:spcPct val="100000"/>
+              </a:lnSpc>
+              <a:spcBef>
+                <a:spcPct val="20000"/>
+              </a:spcBef>
+              <a:spcAft>
+                <a:spcPts val="0"/>
+              </a:spcAft>
+              <a:buClrTx/>
+              <a:buSzTx/>
+              <a:buFont typeface="Arial" pitchFamily="34" charset="0"/>
+              <a:buChar char="•"/>
+              <a:tabLst/>
+              <a:defRPr/>
+            </a:pPr>
+            <a:endParaRPr kumimoji="0" lang="en-US" sz="3200" b="0" i="0" u="none" strike="noStrike" kern="1200" cap="none" spc="0" normalizeH="0" baseline="0" noProof="0" dirty="0" smtClean="0">
+              <a:ln>
+                <a:noFill/>
+              </a:ln>
+              <a:solidFill>
+                <a:schemeClr val="tx1">
+                  <a:tint val="75000"/>
+                </a:schemeClr>
+              </a:solidFill>
+              <a:effectLst/>
+              <a:uLnTx/>
+              <a:uFillTx/>
+              <a:latin typeface="+mn-lt"/>
+              <a:ea typeface="+mn-ea"/>
+              <a:cs typeface="+mn-cs"/>
+            </a:endParaRPr>
+          </a:p>
+          <a:p>
+            <a:pPr marL="514350" marR="0" lvl="0" indent="-514350" algn="l" defTabSz="914400" rtl="0" eaLnBrk="1" fontAlgn="auto" latinLnBrk="0" hangingPunct="1">
+              <a:lnSpc>
+                <a:spcPct val="100000"/>
+              </a:lnSpc>
+              <a:spcBef>
+                <a:spcPct val="20000"/>
+              </a:spcBef>
+              <a:spcAft>
+                <a:spcPts val="0"/>
+              </a:spcAft>
+              <a:buClrTx/>
+              <a:buSzTx/>
+              <a:buFont typeface="Arial" pitchFamily="34" charset="0"/>
               <a:buAutoNum type="arabicParenBoth"/>
-            </a:pPr>
-            <a:r>
-              <a:rPr lang="en-US" dirty="0" smtClean="0"/>
-              <a:t>Will Try to predict if something will happen based on Machine learning?</a:t>
-            </a:r>
-          </a:p>
-          <a:p>
-            <a:pPr marL="514350" indent="-514350" algn="l">
+              <a:tabLst/>
+              <a:defRPr/>
+            </a:pPr>
+            <a:endParaRPr kumimoji="0" lang="en-US" sz="3200" b="0" i="0" u="none" strike="noStrike" kern="1200" cap="none" spc="0" normalizeH="0" baseline="0" noProof="0" dirty="0" smtClean="0">
+              <a:ln>
+                <a:noFill/>
+              </a:ln>
+              <a:solidFill>
+                <a:schemeClr val="tx1">
+                  <a:tint val="75000"/>
+                </a:schemeClr>
+              </a:solidFill>
+              <a:effectLst/>
+              <a:uLnTx/>
+              <a:uFillTx/>
+              <a:latin typeface="+mn-lt"/>
+              <a:ea typeface="+mn-ea"/>
+              <a:cs typeface="+mn-cs"/>
+            </a:endParaRPr>
+          </a:p>
+          <a:p>
+            <a:pPr marL="514350" marR="0" lvl="0" indent="-514350" algn="l" defTabSz="914400" rtl="0" eaLnBrk="1" fontAlgn="auto" latinLnBrk="0" hangingPunct="1">
+              <a:lnSpc>
+                <a:spcPct val="100000"/>
+              </a:lnSpc>
+              <a:spcBef>
+                <a:spcPct val="20000"/>
+              </a:spcBef>
+              <a:spcAft>
+                <a:spcPts val="0"/>
+              </a:spcAft>
+              <a:buClrTx/>
+              <a:buSzTx/>
+              <a:buFont typeface="Arial" pitchFamily="34" charset="0"/>
               <a:buAutoNum type="arabicParenBoth"/>
-            </a:pPr>
-            <a:r>
-              <a:rPr lang="en-US" dirty="0" smtClean="0"/>
-              <a:t>What(data) we will use to Try To predict the event?</a:t>
-            </a:r>
-          </a:p>
-          <a:p>
-            <a:pPr marL="514350" indent="-514350" algn="l">
-              <a:buAutoNum type="arabicParenBoth"/>
-            </a:pPr>
-            <a:r>
-              <a:rPr lang="en-US" dirty="0" smtClean="0"/>
-              <a:t>Why we are trying to predict the event ?</a:t>
-            </a:r>
-          </a:p>
-          <a:p>
-            <a:pPr marL="514350" indent="-514350" algn="l">
-              <a:buAutoNum type="arabicParenBoth"/>
-            </a:pPr>
-            <a:r>
-              <a:rPr lang="en-US" dirty="0" smtClean="0"/>
-              <a:t>What Advantages or using the ML?</a:t>
-            </a:r>
-          </a:p>
-          <a:p>
-            <a:pPr marL="514350" indent="-514350" algn="l">
-              <a:buAutoNum type="arabicParenBoth"/>
-            </a:pPr>
-            <a:endParaRPr lang="en-US" dirty="0" smtClean="0"/>
-          </a:p>
-          <a:p>
-            <a:pPr marL="514350" indent="-514350" algn="l">
-              <a:buAutoNum type="arabicParenBoth"/>
-            </a:pPr>
-            <a:endParaRPr lang="en-US" dirty="0"/>
+              <a:tabLst/>
+              <a:defRPr/>
+            </a:pPr>
+            <a:endParaRPr kumimoji="0" lang="en-US" sz="3200" b="0" i="0" u="none" strike="noStrike" kern="1200" cap="none" spc="0" normalizeH="0" baseline="0" noProof="0" dirty="0">
+              <a:ln>
+                <a:noFill/>
+              </a:ln>
+              <a:solidFill>
+                <a:schemeClr val="tx1">
+                  <a:tint val="75000"/>
+                </a:schemeClr>
+              </a:solidFill>
+              <a:effectLst/>
+              <a:uLnTx/>
+              <a:uFillTx/>
+              <a:latin typeface="+mn-lt"/>
+              <a:ea typeface="+mn-ea"/>
+              <a:cs typeface="+mn-cs"/>
+            </a:endParaRPr>
           </a:p>
         </p:txBody>
       </p:sp>
@@ -5488,11 +5984,7 @@
             </a:pPr>
             <a:r>
               <a:rPr lang="en-US" dirty="0" smtClean="0"/>
-              <a:t>TensorFlow, Pandas, Sklearn, </a:t>
-            </a:r>
-            <a:r>
-              <a:rPr lang="en-US" dirty="0" smtClean="0"/>
-              <a:t>numpy, Android</a:t>
+              <a:t>TensorFlow, Pandas, Sklearn, numpy, Android</a:t>
             </a:r>
           </a:p>
           <a:p>
